--- a/Folien_Come_fly_with_me.pptx
+++ b/Folien_Come_fly_with_me.pptx
@@ -5,15 +5,16 @@
     <p:sldMasterId id="2147483660" r:id="rId1"/>
   </p:sldMasterIdLst>
   <p:notesMasterIdLst>
-    <p:notesMasterId r:id="rId5"/>
+    <p:notesMasterId r:id="rId6"/>
   </p:notesMasterIdLst>
   <p:handoutMasterIdLst>
-    <p:handoutMasterId r:id="rId6"/>
+    <p:handoutMasterId r:id="rId7"/>
   </p:handoutMasterIdLst>
   <p:sldIdLst>
     <p:sldId id="256" r:id="rId2"/>
     <p:sldId id="301" r:id="rId3"/>
-    <p:sldId id="265" r:id="rId4"/>
+    <p:sldId id="302" r:id="rId4"/>
+    <p:sldId id="303" r:id="rId5"/>
   </p:sldIdLst>
   <p:sldSz cx="9144000" cy="6858000" type="screen4x3"/>
   <p:notesSz cx="10234613" cy="7099300"/>
@@ -114,7 +115,7 @@
   </p:defaultTextStyle>
   <p:extLst>
     <p:ext uri="{EFAFB233-063F-42B5-8137-9DF3F51BA10A}">
-      <p15:sldGuideLst xmlns:p15="http://schemas.microsoft.com/office/powerpoint/2012/main" xmlns="">
+      <p15:sldGuideLst xmlns:p15="http://schemas.microsoft.com/office/powerpoint/2012/main">
         <p15:guide id="1" orient="horz" pos="2160">
           <p15:clr>
             <a:srgbClr val="A4A3A4"/>
@@ -279,7 +280,7 @@
           <a:p>
             <a:fld id="{00BA02C7-69A9-4F6C-BEC4-FDC47C3DB268}" type="slidenum">
               <a:rPr lang="en-GB" smtClean="0"/>
-              <a:t>‹Nr.›</a:t>
+              <a:t>‹#›</a:t>
             </a:fld>
             <a:endParaRPr lang="en-GB"/>
           </a:p>
@@ -537,7 +538,7 @@
           <a:p>
             <a:fld id="{9E176684-BC0A-4489-8876-39BB8B7C817E}" type="slidenum">
               <a:rPr lang="en-GB" smtClean="0"/>
-              <a:t>‹Nr.›</a:t>
+              <a:t>‹#›</a:t>
             </a:fld>
             <a:endParaRPr lang="en-GB"/>
           </a:p>
@@ -858,18 +859,7 @@
           <a:bodyPr/>
           <a:lstStyle/>
           <a:p>
-            <a:pPr lvl="1" algn="just">
-              <a:buFont typeface="Wingdings" panose="05000000000000000000" pitchFamily="2" charset="2"/>
-              <a:buNone/>
-            </a:pPr>
-            <a:endParaRPr lang="en-US" sz="1700" dirty="0">
-              <a:solidFill>
-                <a:schemeClr val="tx1">
-                  <a:lumMod val="75000"/>
-                  <a:lumOff val="25000"/>
-                </a:schemeClr>
-              </a:solidFill>
-            </a:endParaRPr>
+            <a:endParaRPr lang="en-GB" dirty="0"/>
           </a:p>
         </p:txBody>
       </p:sp>
@@ -899,7 +889,91 @@
     </p:spTree>
     <p:extLst>
       <p:ext uri="{BB962C8B-B14F-4D97-AF65-F5344CB8AC3E}">
-        <p14:creationId xmlns:p14="http://schemas.microsoft.com/office/powerpoint/2010/main" val="3294330320"/>
+        <p14:creationId xmlns:p14="http://schemas.microsoft.com/office/powerpoint/2010/main" val="1629869942"/>
+      </p:ext>
+    </p:extLst>
+  </p:cSld>
+  <p:clrMapOvr>
+    <a:masterClrMapping/>
+  </p:clrMapOvr>
+</p:notes>
+</file>
+
+<file path=ppt/notesSlides/notesSlide4.xml><?xml version="1.0" encoding="utf-8"?>
+<p:notes xmlns:a="http://schemas.openxmlformats.org/drawingml/2006/main" xmlns:r="http://schemas.openxmlformats.org/officeDocument/2006/relationships" xmlns:p="http://schemas.openxmlformats.org/presentationml/2006/main">
+  <p:cSld>
+    <p:spTree>
+      <p:nvGrpSpPr>
+        <p:cNvPr id="1" name=""/>
+        <p:cNvGrpSpPr/>
+        <p:nvPr/>
+      </p:nvGrpSpPr>
+      <p:grpSpPr>
+        <a:xfrm>
+          <a:off x="0" y="0"/>
+          <a:ext cx="0" cy="0"/>
+          <a:chOff x="0" y="0"/>
+          <a:chExt cx="0" cy="0"/>
+        </a:xfrm>
+      </p:grpSpPr>
+      <p:sp>
+        <p:nvSpPr>
+          <p:cNvPr id="2" name="Folienbildplatzhalter 1"/>
+          <p:cNvSpPr>
+            <a:spLocks noGrp="1" noRot="1" noChangeAspect="1"/>
+          </p:cNvSpPr>
+          <p:nvPr>
+            <p:ph type="sldImg"/>
+          </p:nvPr>
+        </p:nvSpPr>
+        <p:spPr/>
+      </p:sp>
+      <p:sp>
+        <p:nvSpPr>
+          <p:cNvPr id="3" name="Notizenplatzhalter 2"/>
+          <p:cNvSpPr>
+            <a:spLocks noGrp="1"/>
+          </p:cNvSpPr>
+          <p:nvPr>
+            <p:ph type="body" idx="1"/>
+          </p:nvPr>
+        </p:nvSpPr>
+        <p:spPr/>
+        <p:txBody>
+          <a:bodyPr/>
+          <a:lstStyle/>
+          <a:p>
+            <a:endParaRPr lang="en-GB" dirty="0"/>
+          </a:p>
+        </p:txBody>
+      </p:sp>
+      <p:sp>
+        <p:nvSpPr>
+          <p:cNvPr id="4" name="Foliennummernplatzhalter 3"/>
+          <p:cNvSpPr>
+            <a:spLocks noGrp="1"/>
+          </p:cNvSpPr>
+          <p:nvPr>
+            <p:ph type="sldNum" sz="quarter" idx="10"/>
+          </p:nvPr>
+        </p:nvSpPr>
+        <p:spPr/>
+        <p:txBody>
+          <a:bodyPr/>
+          <a:lstStyle/>
+          <a:p>
+            <a:fld id="{9E176684-BC0A-4489-8876-39BB8B7C817E}" type="slidenum">
+              <a:rPr lang="en-GB" smtClean="0"/>
+              <a:t>4</a:t>
+            </a:fld>
+            <a:endParaRPr lang="en-GB"/>
+          </a:p>
+        </p:txBody>
+      </p:sp>
+    </p:spTree>
+    <p:extLst>
+      <p:ext uri="{BB962C8B-B14F-4D97-AF65-F5344CB8AC3E}">
+        <p14:creationId xmlns:p14="http://schemas.microsoft.com/office/powerpoint/2010/main" val="314881745"/>
       </p:ext>
     </p:extLst>
   </p:cSld>
@@ -1082,7 +1156,7 @@
           <a:p>
             <a:fld id="{C9EB3933-1483-4D54-A643-07308F69C4CD}" type="slidenum">
               <a:rPr lang="en-GB" smtClean="0"/>
-              <a:t>‹Nr.›</a:t>
+              <a:t>‹#›</a:t>
             </a:fld>
             <a:endParaRPr lang="en-GB"/>
           </a:p>
@@ -1252,7 +1326,7 @@
           <a:p>
             <a:fld id="{C9EB3933-1483-4D54-A643-07308F69C4CD}" type="slidenum">
               <a:rPr lang="en-GB" smtClean="0"/>
-              <a:t>‹Nr.›</a:t>
+              <a:t>‹#›</a:t>
             </a:fld>
             <a:endParaRPr lang="en-GB"/>
           </a:p>
@@ -1432,7 +1506,7 @@
           <a:p>
             <a:fld id="{C9EB3933-1483-4D54-A643-07308F69C4CD}" type="slidenum">
               <a:rPr lang="en-GB" smtClean="0"/>
-              <a:t>‹Nr.›</a:t>
+              <a:t>‹#›</a:t>
             </a:fld>
             <a:endParaRPr lang="en-GB"/>
           </a:p>
@@ -1602,7 +1676,7 @@
           <a:p>
             <a:fld id="{C9EB3933-1483-4D54-A643-07308F69C4CD}" type="slidenum">
               <a:rPr lang="en-GB" smtClean="0"/>
-              <a:t>‹Nr.›</a:t>
+              <a:t>‹#›</a:t>
             </a:fld>
             <a:endParaRPr lang="en-GB"/>
           </a:p>
@@ -1846,7 +1920,7 @@
           <a:p>
             <a:fld id="{C9EB3933-1483-4D54-A643-07308F69C4CD}" type="slidenum">
               <a:rPr lang="en-GB" smtClean="0"/>
-              <a:t>‹Nr.›</a:t>
+              <a:t>‹#›</a:t>
             </a:fld>
             <a:endParaRPr lang="en-GB"/>
           </a:p>
@@ -2078,7 +2152,7 @@
           <a:p>
             <a:fld id="{C9EB3933-1483-4D54-A643-07308F69C4CD}" type="slidenum">
               <a:rPr lang="en-GB" smtClean="0"/>
-              <a:t>‹Nr.›</a:t>
+              <a:t>‹#›</a:t>
             </a:fld>
             <a:endParaRPr lang="en-GB"/>
           </a:p>
@@ -2445,7 +2519,7 @@
           <a:p>
             <a:fld id="{C9EB3933-1483-4D54-A643-07308F69C4CD}" type="slidenum">
               <a:rPr lang="en-GB" smtClean="0"/>
-              <a:t>‹Nr.›</a:t>
+              <a:t>‹#›</a:t>
             </a:fld>
             <a:endParaRPr lang="en-GB"/>
           </a:p>
@@ -2563,7 +2637,7 @@
           <a:p>
             <a:fld id="{C9EB3933-1483-4D54-A643-07308F69C4CD}" type="slidenum">
               <a:rPr lang="en-GB" smtClean="0"/>
-              <a:t>‹Nr.›</a:t>
+              <a:t>‹#›</a:t>
             </a:fld>
             <a:endParaRPr lang="en-GB"/>
           </a:p>
@@ -2658,7 +2732,7 @@
           <a:p>
             <a:fld id="{C9EB3933-1483-4D54-A643-07308F69C4CD}" type="slidenum">
               <a:rPr lang="en-GB" smtClean="0"/>
-              <a:t>‹Nr.›</a:t>
+              <a:t>‹#›</a:t>
             </a:fld>
             <a:endParaRPr lang="en-GB"/>
           </a:p>
@@ -2935,7 +3009,7 @@
           <a:p>
             <a:fld id="{C9EB3933-1483-4D54-A643-07308F69C4CD}" type="slidenum">
               <a:rPr lang="en-GB" smtClean="0"/>
-              <a:t>‹Nr.›</a:t>
+              <a:t>‹#›</a:t>
             </a:fld>
             <a:endParaRPr lang="en-GB"/>
           </a:p>
@@ -3192,7 +3266,7 @@
           <a:p>
             <a:fld id="{C9EB3933-1483-4D54-A643-07308F69C4CD}" type="slidenum">
               <a:rPr lang="en-GB" smtClean="0"/>
-              <a:t>‹Nr.›</a:t>
+              <a:t>‹#›</a:t>
             </a:fld>
             <a:endParaRPr lang="en-GB"/>
           </a:p>
@@ -3441,7 +3515,7 @@
           <a:p>
             <a:fld id="{C9EB3933-1483-4D54-A643-07308F69C4CD}" type="slidenum">
               <a:rPr lang="en-GB" smtClean="0"/>
-              <a:t>‹Nr.›</a:t>
+              <a:t>‹#›</a:t>
             </a:fld>
             <a:endParaRPr lang="en-GB"/>
           </a:p>
@@ -3872,7 +3946,7 @@
                 </a:solidFill>
                 <a:latin typeface="+mj-lt"/>
               </a:rPr>
-              <a:t>Februar 2016, </a:t>
+              <a:t>February </a:t>
             </a:r>
             <a:r>
               <a:rPr lang="de-DE" sz="2000" dirty="0" smtClean="0">
@@ -3884,7 +3958,7 @@
                 </a:solidFill>
                 <a:latin typeface="+mj-lt"/>
               </a:rPr>
-              <a:t>Augsburg</a:t>
+              <a:t>2016, Augsburg</a:t>
             </a:r>
           </a:p>
           <a:p>
@@ -4183,7 +4257,7 @@
                   </a:schemeClr>
                 </a:solidFill>
               </a:rPr>
-              <a:t>Agenda</a:t>
+              <a:t>Motivation</a:t>
             </a:r>
             <a:endParaRPr lang="en-GB" sz="3200" dirty="0">
               <a:solidFill>
@@ -4219,35 +4293,59 @@
           <a:lstStyle/>
           <a:p>
             <a:r>
-              <a:rPr lang="en-GB" sz="2000" dirty="0">
+              <a:rPr lang="en-GB" sz="2000" dirty="0" smtClean="0">
                 <a:latin typeface="+mj-lt"/>
               </a:rPr>
-              <a:t>What is forgiveness? </a:t>
-            </a:r>
-          </a:p>
-          <a:p>
-            <a:r>
-              <a:rPr lang="en-GB" sz="2000" dirty="0">
+              <a:t>Females of some mosquito species feed on blood</a:t>
+            </a:r>
+            <a:endParaRPr lang="en-GB" sz="2000" dirty="0">
+              <a:latin typeface="+mj-lt"/>
+            </a:endParaRPr>
+          </a:p>
+          <a:p>
+            <a:r>
+              <a:rPr lang="en-GB" sz="2000" dirty="0" smtClean="0">
                 <a:latin typeface="+mj-lt"/>
               </a:rPr>
-              <a:t>Why use forgiveness in technical systems?</a:t>
-            </a:r>
-          </a:p>
-          <a:p>
-            <a:r>
-              <a:rPr lang="en-GB" sz="2000" dirty="0">
+              <a:t>Spreading of diseases</a:t>
+            </a:r>
+            <a:endParaRPr lang="en-GB" sz="2000" dirty="0">
+              <a:latin typeface="+mj-lt"/>
+            </a:endParaRPr>
+          </a:p>
+          <a:p>
+            <a:r>
+              <a:rPr lang="en-GB" sz="2000" dirty="0" smtClean="0">
                 <a:latin typeface="+mj-lt"/>
               </a:rPr>
-              <a:t>Models of forgiveness in technical systems</a:t>
-            </a:r>
-          </a:p>
-          <a:p>
-            <a:r>
-              <a:rPr lang="en-GB" sz="2000" dirty="0">
+              <a:t>Senses specialised on tracking blood sources (visual, chemical, heat)</a:t>
+            </a:r>
+            <a:endParaRPr lang="en-GB" sz="2000" dirty="0">
+              <a:latin typeface="+mj-lt"/>
+            </a:endParaRPr>
+          </a:p>
+          <a:p>
+            <a:pPr marL="0" indent="0">
+              <a:buNone/>
+            </a:pPr>
+            <a:endParaRPr lang="en-GB" sz="2000" dirty="0">
+              <a:latin typeface="+mj-lt"/>
+            </a:endParaRPr>
+          </a:p>
+          <a:p>
+            <a:pPr marL="0" indent="0">
+              <a:buNone/>
+            </a:pPr>
+            <a:r>
+              <a:rPr lang="en-GB" sz="2000" dirty="0" smtClean="0">
                 <a:latin typeface="+mj-lt"/>
+                <a:sym typeface="Wingdings" panose="05000000000000000000" pitchFamily="2" charset="2"/>
               </a:rPr>
-              <a:t>Up-to-date model of forgiveness</a:t>
-            </a:r>
+              <a:t> How do mosquitoes perceive the world with their senses when hunting       	for blood?</a:t>
+            </a:r>
+            <a:endParaRPr lang="en-GB" sz="2000" dirty="0">
+              <a:latin typeface="+mj-lt"/>
+            </a:endParaRPr>
           </a:p>
         </p:txBody>
       </p:sp>
@@ -4466,14 +4564,6 @@
 <file path=ppt/slides/slide3.xml><?xml version="1.0" encoding="utf-8"?>
 <p:sld xmlns:a="http://schemas.openxmlformats.org/drawingml/2006/main" xmlns:r="http://schemas.openxmlformats.org/officeDocument/2006/relationships" xmlns:p="http://schemas.openxmlformats.org/presentationml/2006/main">
   <p:cSld>
-    <p:bg>
-      <p:bgPr>
-        <a:solidFill>
-          <a:schemeClr val="tx1"/>
-        </a:solidFill>
-        <a:effectLst/>
-      </p:bgPr>
-    </p:bg>
     <p:spTree>
       <p:nvGrpSpPr>
         <p:cNvPr id="1" name=""/>
@@ -4490,18 +4580,62 @@
       </p:grpSpPr>
       <p:sp>
         <p:nvSpPr>
-          <p:cNvPr id="3" name="Untertitel 2"/>
-          <p:cNvSpPr>
-            <a:spLocks noGrp="1"/>
-          </p:cNvSpPr>
-          <p:nvPr>
-            <p:ph idx="1"/>
+          <p:cNvPr id="2" name="Titel 1"/>
+          <p:cNvSpPr>
+            <a:spLocks noGrp="1"/>
+          </p:cNvSpPr>
+          <p:nvPr>
+            <p:ph type="title"/>
           </p:nvPr>
         </p:nvSpPr>
         <p:spPr>
           <a:xfrm>
-            <a:off x="628650" y="2714625"/>
-            <a:ext cx="7886700" cy="2718095"/>
+            <a:off x="628650" y="757012"/>
+            <a:ext cx="7886700" cy="1325563"/>
+          </a:xfrm>
+        </p:spPr>
+        <p:txBody>
+          <a:bodyPr>
+            <a:normAutofit/>
+          </a:bodyPr>
+          <a:lstStyle/>
+          <a:p>
+            <a:r>
+              <a:rPr lang="en-GB" sz="3600" dirty="0" smtClean="0">
+                <a:solidFill>
+                  <a:schemeClr val="tx1">
+                    <a:lumMod val="75000"/>
+                    <a:lumOff val="25000"/>
+                  </a:schemeClr>
+                </a:solidFill>
+              </a:rPr>
+              <a:t>Concept</a:t>
+            </a:r>
+            <a:endParaRPr lang="en-GB" sz="3200" dirty="0">
+              <a:solidFill>
+                <a:schemeClr val="tx1">
+                  <a:lumMod val="75000"/>
+                  <a:lumOff val="25000"/>
+                </a:schemeClr>
+              </a:solidFill>
+            </a:endParaRPr>
+          </a:p>
+        </p:txBody>
+      </p:sp>
+      <p:sp>
+        <p:nvSpPr>
+          <p:cNvPr id="3" name="Untertitel 2"/>
+          <p:cNvSpPr>
+            <a:spLocks noGrp="1"/>
+          </p:cNvSpPr>
+          <p:nvPr>
+            <p:ph idx="1"/>
+          </p:nvPr>
+        </p:nvSpPr>
+        <p:spPr>
+          <a:xfrm>
+            <a:off x="628650" y="2271484"/>
+            <a:ext cx="7886700" cy="3847181"/>
           </a:xfrm>
         </p:spPr>
         <p:txBody>
@@ -4510,60 +4644,235 @@
           </a:bodyPr>
           <a:lstStyle/>
           <a:p>
-            <a:pPr marL="0" indent="0" algn="ctr">
+            <a:r>
+              <a:rPr lang="en-GB" sz="2000" dirty="0" smtClean="0">
+                <a:latin typeface="+mj-lt"/>
+              </a:rPr>
+              <a:t>User perceives the simulation in first person view</a:t>
+            </a:r>
+          </a:p>
+          <a:p>
+            <a:r>
+              <a:rPr lang="en-GB" sz="2000" dirty="0" smtClean="0">
+                <a:latin typeface="+mj-lt"/>
+              </a:rPr>
+              <a:t>Setting: Tropical island</a:t>
+            </a:r>
+            <a:endParaRPr lang="en-GB" sz="2000" dirty="0">
+              <a:latin typeface="+mj-lt"/>
+            </a:endParaRPr>
+          </a:p>
+          <a:p>
+            <a:r>
+              <a:rPr lang="en-GB" sz="2000" dirty="0" smtClean="0">
+                <a:latin typeface="+mj-lt"/>
+              </a:rPr>
+              <a:t>User utilises provided senses to find blood source (animal)</a:t>
+            </a:r>
+          </a:p>
+          <a:p>
+            <a:r>
+              <a:rPr lang="en-GB" sz="2000" dirty="0" smtClean="0">
+                <a:latin typeface="+mj-lt"/>
+              </a:rPr>
+              <a:t>Land on animal</a:t>
+            </a:r>
+          </a:p>
+          <a:p>
+            <a:r>
+              <a:rPr lang="en-GB" sz="2000" dirty="0" smtClean="0">
+                <a:latin typeface="+mj-lt"/>
+              </a:rPr>
+              <a:t>Feed on the animal’s blood</a:t>
+            </a:r>
+          </a:p>
+          <a:p>
+            <a:r>
+              <a:rPr lang="en-GB" sz="2000" dirty="0" smtClean="0">
+                <a:latin typeface="+mj-lt"/>
+              </a:rPr>
+              <a:t>Avoid countermeasures to win</a:t>
+            </a:r>
+            <a:endParaRPr lang="en-GB" sz="2000" dirty="0">
+              <a:latin typeface="+mj-lt"/>
+            </a:endParaRPr>
+          </a:p>
+          <a:p>
+            <a:pPr marL="0" indent="0">
               <a:buNone/>
             </a:pPr>
-            <a:r>
-              <a:rPr lang="en-US" sz="4900" dirty="0" smtClean="0">
-                <a:solidFill>
-                  <a:schemeClr val="bg1">
-                    <a:lumMod val="85000"/>
-                  </a:schemeClr>
-                </a:solidFill>
-                <a:latin typeface="Baskerville Old Face" panose="02020602080505020303" pitchFamily="18" charset="0"/>
-              </a:rPr>
-              <a:t>An eye for an eye </a:t>
-            </a:r>
-          </a:p>
-          <a:p>
-            <a:pPr marL="0" indent="0" algn="ctr">
-              <a:buNone/>
-            </a:pPr>
-            <a:r>
-              <a:rPr lang="en-US" sz="4900" dirty="0" smtClean="0">
-                <a:solidFill>
-                  <a:schemeClr val="bg1">
-                    <a:lumMod val="85000"/>
-                  </a:schemeClr>
-                </a:solidFill>
-                <a:latin typeface="Baskerville Old Face" panose="02020602080505020303" pitchFamily="18" charset="0"/>
-              </a:rPr>
-              <a:t>will only make the world blind.</a:t>
-            </a:r>
-          </a:p>
-          <a:p>
-            <a:pPr marL="0" indent="0" algn="r">
-              <a:buNone/>
-            </a:pPr>
-            <a:r>
-              <a:rPr lang="en-US" sz="2000" dirty="0" smtClean="0">
-                <a:solidFill>
-                  <a:schemeClr val="bg1">
-                    <a:lumMod val="85000"/>
-                  </a:schemeClr>
-                </a:solidFill>
-                <a:latin typeface="Baskerville Old Face" panose="02020602080505020303" pitchFamily="18" charset="0"/>
-              </a:rPr>
-              <a:t> Mahatma Gandhi</a:t>
-            </a:r>
-            <a:endParaRPr lang="en-US" sz="400" dirty="0" smtClean="0">
-              <a:solidFill>
-                <a:schemeClr val="bg1">
-                  <a:lumMod val="85000"/>
-                </a:schemeClr>
-              </a:solidFill>
-              <a:latin typeface="Baskerville Old Face" panose="02020602080505020303" pitchFamily="18" charset="0"/>
+            <a:endParaRPr lang="en-GB" sz="2000" dirty="0">
+              <a:latin typeface="+mj-lt"/>
             </a:endParaRPr>
+          </a:p>
+        </p:txBody>
+      </p:sp>
+      <p:sp>
+        <p:nvSpPr>
+          <p:cNvPr id="4" name="Rechteck 3"/>
+          <p:cNvSpPr/>
+          <p:nvPr/>
+        </p:nvSpPr>
+        <p:spPr>
+          <a:xfrm>
+            <a:off x="-1" y="0"/>
+            <a:ext cx="9144000" cy="640369"/>
+          </a:xfrm>
+          <a:prstGeom prst="rect">
+            <a:avLst/>
+          </a:prstGeom>
+          <a:gradFill flip="none" rotWithShape="1">
+            <a:gsLst>
+              <a:gs pos="85000">
+                <a:srgbClr val="489427"/>
+              </a:gs>
+              <a:gs pos="0">
+                <a:schemeClr val="bg1"/>
+              </a:gs>
+            </a:gsLst>
+            <a:lin ang="0" scaled="1"/>
+            <a:tileRect/>
+          </a:gradFill>
+          <a:ln>
+            <a:noFill/>
+          </a:ln>
+        </p:spPr>
+        <p:style>
+          <a:lnRef idx="2">
+            <a:schemeClr val="accent1">
+              <a:shade val="50000"/>
+            </a:schemeClr>
+          </a:lnRef>
+          <a:fillRef idx="1">
+            <a:schemeClr val="accent1"/>
+          </a:fillRef>
+          <a:effectRef idx="0">
+            <a:schemeClr val="accent1"/>
+          </a:effectRef>
+          <a:fontRef idx="minor">
+            <a:schemeClr val="lt1"/>
+          </a:fontRef>
+        </p:style>
+        <p:txBody>
+          <a:bodyPr rtlCol="0" anchor="ctr"/>
+          <a:lstStyle/>
+          <a:p>
+            <a:pPr algn="l"/>
+            <a:endParaRPr lang="en-US" sz="1350" dirty="0"/>
+          </a:p>
+        </p:txBody>
+      </p:sp>
+      <p:pic>
+        <p:nvPicPr>
+          <p:cNvPr id="5" name="Grafik 4"/>
+          <p:cNvPicPr>
+            <a:picLocks noChangeAspect="1"/>
+          </p:cNvPicPr>
+          <p:nvPr/>
+        </p:nvPicPr>
+        <p:blipFill rotWithShape="1">
+          <a:blip r:embed="rId3">
+            <a:extLst>
+              <a:ext uri="{28A0092B-C50C-407E-A947-70E740481C1C}">
+                <a14:useLocalDpi xmlns:a14="http://schemas.microsoft.com/office/drawing/2010/main" val="0"/>
+              </a:ext>
+            </a:extLst>
+          </a:blip>
+          <a:srcRect t="20448" b="22173"/>
+          <a:stretch/>
+        </p:blipFill>
+        <p:spPr>
+          <a:xfrm>
+            <a:off x="-130873" y="-18237"/>
+            <a:ext cx="2550682" cy="658604"/>
+          </a:xfrm>
+          <a:prstGeom prst="rect">
+            <a:avLst/>
+          </a:prstGeom>
+        </p:spPr>
+      </p:pic>
+      <p:pic>
+        <p:nvPicPr>
+          <p:cNvPr id="6" name="Grafik 5"/>
+          <p:cNvPicPr>
+            <a:picLocks noChangeAspect="1"/>
+          </p:cNvPicPr>
+          <p:nvPr/>
+        </p:nvPicPr>
+        <p:blipFill>
+          <a:blip r:embed="rId4" cstate="print">
+            <a:extLst>
+              <a:ext uri="{28A0092B-C50C-407E-A947-70E740481C1C}">
+                <a14:useLocalDpi xmlns:a14="http://schemas.microsoft.com/office/drawing/2010/main" val="0"/>
+              </a:ext>
+            </a:extLst>
+          </a:blip>
+          <a:stretch>
+            <a:fillRect/>
+          </a:stretch>
+        </p:blipFill>
+        <p:spPr>
+          <a:xfrm>
+            <a:off x="7513303" y="45949"/>
+            <a:ext cx="1469721" cy="518827"/>
+          </a:xfrm>
+          <a:prstGeom prst="rect">
+            <a:avLst/>
+          </a:prstGeom>
+        </p:spPr>
+      </p:pic>
+      <p:sp>
+        <p:nvSpPr>
+          <p:cNvPr id="7" name="Rechteck 6"/>
+          <p:cNvSpPr/>
+          <p:nvPr/>
+        </p:nvSpPr>
+        <p:spPr>
+          <a:xfrm>
+            <a:off x="-7258" y="6232359"/>
+            <a:ext cx="9144000" cy="625641"/>
+          </a:xfrm>
+          <a:prstGeom prst="rect">
+            <a:avLst/>
+          </a:prstGeom>
+          <a:gradFill flip="none" rotWithShape="1">
+            <a:gsLst>
+              <a:gs pos="12000">
+                <a:srgbClr val="489427"/>
+              </a:gs>
+              <a:gs pos="91000">
+                <a:schemeClr val="bg1"/>
+              </a:gs>
+            </a:gsLst>
+            <a:lin ang="0" scaled="1"/>
+            <a:tileRect/>
+          </a:gradFill>
+          <a:ln>
+            <a:noFill/>
+          </a:ln>
+        </p:spPr>
+        <p:style>
+          <a:lnRef idx="2">
+            <a:schemeClr val="accent1">
+              <a:shade val="50000"/>
+            </a:schemeClr>
+          </a:lnRef>
+          <a:fillRef idx="1">
+            <a:schemeClr val="accent1"/>
+          </a:fillRef>
+          <a:effectRef idx="0">
+            <a:schemeClr val="accent1"/>
+          </a:effectRef>
+          <a:fontRef idx="minor">
+            <a:schemeClr val="lt1"/>
+          </a:fontRef>
+        </p:style>
+        <p:txBody>
+          <a:bodyPr rtlCol="0" anchor="ctr"/>
+          <a:lstStyle/>
+          <a:p>
+            <a:pPr algn="l"/>
+            <a:endParaRPr lang="en-US" sz="1350" dirty="0"/>
           </a:p>
         </p:txBody>
       </p:sp>
@@ -4593,7 +4902,381 @@
     </p:spTree>
     <p:extLst>
       <p:ext uri="{BB962C8B-B14F-4D97-AF65-F5344CB8AC3E}">
-        <p14:creationId xmlns:p14="http://schemas.microsoft.com/office/powerpoint/2010/main" val="3101645932"/>
+        <p14:creationId xmlns:p14="http://schemas.microsoft.com/office/powerpoint/2010/main" val="1737762749"/>
+      </p:ext>
+    </p:extLst>
+  </p:cSld>
+  <p:clrMapOvr>
+    <a:masterClrMapping/>
+  </p:clrMapOvr>
+  <p:timing>
+    <p:tnLst>
+      <p:par>
+        <p:cTn id="1" dur="indefinite" restart="never" nodeType="tmRoot"/>
+      </p:par>
+    </p:tnLst>
+  </p:timing>
+</p:sld>
+</file>
+
+<file path=ppt/slides/slide4.xml><?xml version="1.0" encoding="utf-8"?>
+<p:sld xmlns:a="http://schemas.openxmlformats.org/drawingml/2006/main" xmlns:r="http://schemas.openxmlformats.org/officeDocument/2006/relationships" xmlns:p="http://schemas.openxmlformats.org/presentationml/2006/main">
+  <p:cSld>
+    <p:spTree>
+      <p:nvGrpSpPr>
+        <p:cNvPr id="1" name=""/>
+        <p:cNvGrpSpPr/>
+        <p:nvPr/>
+      </p:nvGrpSpPr>
+      <p:grpSpPr>
+        <a:xfrm>
+          <a:off x="0" y="0"/>
+          <a:ext cx="0" cy="0"/>
+          <a:chOff x="0" y="0"/>
+          <a:chExt cx="0" cy="0"/>
+        </a:xfrm>
+      </p:grpSpPr>
+      <p:sp>
+        <p:nvSpPr>
+          <p:cNvPr id="2" name="Titel 1"/>
+          <p:cNvSpPr>
+            <a:spLocks noGrp="1"/>
+          </p:cNvSpPr>
+          <p:nvPr>
+            <p:ph type="title"/>
+          </p:nvPr>
+        </p:nvSpPr>
+        <p:spPr>
+          <a:xfrm>
+            <a:off x="628650" y="757012"/>
+            <a:ext cx="7886700" cy="1325563"/>
+          </a:xfrm>
+        </p:spPr>
+        <p:txBody>
+          <a:bodyPr>
+            <a:normAutofit/>
+          </a:bodyPr>
+          <a:lstStyle/>
+          <a:p>
+            <a:r>
+              <a:rPr lang="en-GB" sz="3600" dirty="0" smtClean="0">
+                <a:solidFill>
+                  <a:schemeClr val="tx1">
+                    <a:lumMod val="75000"/>
+                    <a:lumOff val="25000"/>
+                  </a:schemeClr>
+                </a:solidFill>
+              </a:rPr>
+              <a:t>Gamification</a:t>
+            </a:r>
+            <a:endParaRPr lang="en-GB" sz="3200" dirty="0">
+              <a:solidFill>
+                <a:schemeClr val="tx1">
+                  <a:lumMod val="75000"/>
+                  <a:lumOff val="25000"/>
+                </a:schemeClr>
+              </a:solidFill>
+            </a:endParaRPr>
+          </a:p>
+        </p:txBody>
+      </p:sp>
+      <p:sp>
+        <p:nvSpPr>
+          <p:cNvPr id="3" name="Untertitel 2"/>
+          <p:cNvSpPr>
+            <a:spLocks noGrp="1"/>
+          </p:cNvSpPr>
+          <p:nvPr>
+            <p:ph idx="1"/>
+          </p:nvPr>
+        </p:nvSpPr>
+        <p:spPr>
+          <a:xfrm>
+            <a:off x="628650" y="2271484"/>
+            <a:ext cx="7886700" cy="3847181"/>
+          </a:xfrm>
+        </p:spPr>
+        <p:txBody>
+          <a:bodyPr>
+            <a:noAutofit/>
+          </a:bodyPr>
+          <a:lstStyle/>
+          <a:p>
+            <a:r>
+              <a:rPr lang="en-GB" sz="2000" dirty="0" smtClean="0">
+                <a:latin typeface="+mj-lt"/>
+              </a:rPr>
+              <a:t>First person view</a:t>
+            </a:r>
+          </a:p>
+          <a:p>
+            <a:r>
+              <a:rPr lang="en-GB" sz="2000" dirty="0" smtClean="0">
+                <a:latin typeface="+mj-lt"/>
+              </a:rPr>
+              <a:t>User gets points for successfully feeding on blood (time-dependent)</a:t>
+            </a:r>
+          </a:p>
+          <a:p>
+            <a:r>
+              <a:rPr lang="en-GB" sz="2000" dirty="0" smtClean="0">
+                <a:latin typeface="+mj-lt"/>
+              </a:rPr>
+              <a:t>Two difficulty levels:</a:t>
+            </a:r>
+          </a:p>
+          <a:p>
+            <a:pPr lvl="1"/>
+            <a:r>
+              <a:rPr lang="en-GB" sz="1600" dirty="0" smtClean="0">
+                <a:latin typeface="+mj-lt"/>
+              </a:rPr>
+              <a:t>2</a:t>
+            </a:r>
+            <a:r>
+              <a:rPr lang="en-GB" sz="1600" baseline="30000" dirty="0" smtClean="0">
+                <a:latin typeface="+mj-lt"/>
+              </a:rPr>
+              <a:t>nd</a:t>
+            </a:r>
+            <a:r>
+              <a:rPr lang="en-GB" sz="1600" dirty="0" smtClean="0">
+                <a:latin typeface="+mj-lt"/>
+              </a:rPr>
+              <a:t> difficulty: reduced movement speed, reduced range of vision, reduced spatial resolution</a:t>
+            </a:r>
+          </a:p>
+          <a:p>
+            <a:r>
+              <a:rPr lang="en-GB" sz="2000" dirty="0" smtClean="0">
+                <a:latin typeface="+mj-lt"/>
+              </a:rPr>
+              <a:t>Winning condition: feed successfully on blood</a:t>
+            </a:r>
+          </a:p>
+          <a:p>
+            <a:r>
+              <a:rPr lang="en-GB" sz="2000" dirty="0" smtClean="0">
+                <a:latin typeface="+mj-lt"/>
+              </a:rPr>
+              <a:t>Losing condition: get killed by animal’s </a:t>
+            </a:r>
+            <a:r>
+              <a:rPr lang="en-GB" sz="2000" smtClean="0">
+                <a:latin typeface="+mj-lt"/>
+              </a:rPr>
+              <a:t>defenses</a:t>
+            </a:r>
+            <a:endParaRPr lang="en-GB" sz="2000" dirty="0" smtClean="0">
+              <a:latin typeface="+mj-lt"/>
+            </a:endParaRPr>
+          </a:p>
+          <a:p>
+            <a:pPr marL="0" indent="0">
+              <a:buNone/>
+            </a:pPr>
+            <a:endParaRPr lang="en-GB" sz="2000" dirty="0">
+              <a:latin typeface="+mj-lt"/>
+            </a:endParaRPr>
+          </a:p>
+        </p:txBody>
+      </p:sp>
+      <p:sp>
+        <p:nvSpPr>
+          <p:cNvPr id="4" name="Rechteck 3"/>
+          <p:cNvSpPr/>
+          <p:nvPr/>
+        </p:nvSpPr>
+        <p:spPr>
+          <a:xfrm>
+            <a:off x="-1" y="0"/>
+            <a:ext cx="9144000" cy="640369"/>
+          </a:xfrm>
+          <a:prstGeom prst="rect">
+            <a:avLst/>
+          </a:prstGeom>
+          <a:gradFill flip="none" rotWithShape="1">
+            <a:gsLst>
+              <a:gs pos="85000">
+                <a:srgbClr val="489427"/>
+              </a:gs>
+              <a:gs pos="0">
+                <a:schemeClr val="bg1"/>
+              </a:gs>
+            </a:gsLst>
+            <a:lin ang="0" scaled="1"/>
+            <a:tileRect/>
+          </a:gradFill>
+          <a:ln>
+            <a:noFill/>
+          </a:ln>
+        </p:spPr>
+        <p:style>
+          <a:lnRef idx="2">
+            <a:schemeClr val="accent1">
+              <a:shade val="50000"/>
+            </a:schemeClr>
+          </a:lnRef>
+          <a:fillRef idx="1">
+            <a:schemeClr val="accent1"/>
+          </a:fillRef>
+          <a:effectRef idx="0">
+            <a:schemeClr val="accent1"/>
+          </a:effectRef>
+          <a:fontRef idx="minor">
+            <a:schemeClr val="lt1"/>
+          </a:fontRef>
+        </p:style>
+        <p:txBody>
+          <a:bodyPr rtlCol="0" anchor="ctr"/>
+          <a:lstStyle/>
+          <a:p>
+            <a:pPr algn="l"/>
+            <a:endParaRPr lang="en-US" sz="1350" dirty="0"/>
+          </a:p>
+        </p:txBody>
+      </p:sp>
+      <p:pic>
+        <p:nvPicPr>
+          <p:cNvPr id="5" name="Grafik 4"/>
+          <p:cNvPicPr>
+            <a:picLocks noChangeAspect="1"/>
+          </p:cNvPicPr>
+          <p:nvPr/>
+        </p:nvPicPr>
+        <p:blipFill rotWithShape="1">
+          <a:blip r:embed="rId3">
+            <a:extLst>
+              <a:ext uri="{28A0092B-C50C-407E-A947-70E740481C1C}">
+                <a14:useLocalDpi xmlns:a14="http://schemas.microsoft.com/office/drawing/2010/main" val="0"/>
+              </a:ext>
+            </a:extLst>
+          </a:blip>
+          <a:srcRect t="20448" b="22173"/>
+          <a:stretch/>
+        </p:blipFill>
+        <p:spPr>
+          <a:xfrm>
+            <a:off x="-130873" y="-18237"/>
+            <a:ext cx="2550682" cy="658604"/>
+          </a:xfrm>
+          <a:prstGeom prst="rect">
+            <a:avLst/>
+          </a:prstGeom>
+        </p:spPr>
+      </p:pic>
+      <p:pic>
+        <p:nvPicPr>
+          <p:cNvPr id="6" name="Grafik 5"/>
+          <p:cNvPicPr>
+            <a:picLocks noChangeAspect="1"/>
+          </p:cNvPicPr>
+          <p:nvPr/>
+        </p:nvPicPr>
+        <p:blipFill>
+          <a:blip r:embed="rId4" cstate="print">
+            <a:extLst>
+              <a:ext uri="{28A0092B-C50C-407E-A947-70E740481C1C}">
+                <a14:useLocalDpi xmlns:a14="http://schemas.microsoft.com/office/drawing/2010/main" val="0"/>
+              </a:ext>
+            </a:extLst>
+          </a:blip>
+          <a:stretch>
+            <a:fillRect/>
+          </a:stretch>
+        </p:blipFill>
+        <p:spPr>
+          <a:xfrm>
+            <a:off x="7513303" y="45949"/>
+            <a:ext cx="1469721" cy="518827"/>
+          </a:xfrm>
+          <a:prstGeom prst="rect">
+            <a:avLst/>
+          </a:prstGeom>
+        </p:spPr>
+      </p:pic>
+      <p:sp>
+        <p:nvSpPr>
+          <p:cNvPr id="7" name="Rechteck 6"/>
+          <p:cNvSpPr/>
+          <p:nvPr/>
+        </p:nvSpPr>
+        <p:spPr>
+          <a:xfrm>
+            <a:off x="-7258" y="6232359"/>
+            <a:ext cx="9144000" cy="625641"/>
+          </a:xfrm>
+          <a:prstGeom prst="rect">
+            <a:avLst/>
+          </a:prstGeom>
+          <a:gradFill flip="none" rotWithShape="1">
+            <a:gsLst>
+              <a:gs pos="12000">
+                <a:srgbClr val="489427"/>
+              </a:gs>
+              <a:gs pos="91000">
+                <a:schemeClr val="bg1"/>
+              </a:gs>
+            </a:gsLst>
+            <a:lin ang="0" scaled="1"/>
+            <a:tileRect/>
+          </a:gradFill>
+          <a:ln>
+            <a:noFill/>
+          </a:ln>
+        </p:spPr>
+        <p:style>
+          <a:lnRef idx="2">
+            <a:schemeClr val="accent1">
+              <a:shade val="50000"/>
+            </a:schemeClr>
+          </a:lnRef>
+          <a:fillRef idx="1">
+            <a:schemeClr val="accent1"/>
+          </a:fillRef>
+          <a:effectRef idx="0">
+            <a:schemeClr val="accent1"/>
+          </a:effectRef>
+          <a:fontRef idx="minor">
+            <a:schemeClr val="lt1"/>
+          </a:fontRef>
+        </p:style>
+        <p:txBody>
+          <a:bodyPr rtlCol="0" anchor="ctr"/>
+          <a:lstStyle/>
+          <a:p>
+            <a:pPr algn="l"/>
+            <a:endParaRPr lang="en-US" sz="1350" dirty="0"/>
+          </a:p>
+        </p:txBody>
+      </p:sp>
+      <p:sp>
+        <p:nvSpPr>
+          <p:cNvPr id="11" name="Foliennummernplatzhalter 10"/>
+          <p:cNvSpPr>
+            <a:spLocks noGrp="1"/>
+          </p:cNvSpPr>
+          <p:nvPr>
+            <p:ph type="sldNum" sz="quarter" idx="12"/>
+          </p:nvPr>
+        </p:nvSpPr>
+        <p:spPr/>
+        <p:txBody>
+          <a:bodyPr/>
+          <a:lstStyle/>
+          <a:p>
+            <a:fld id="{C9EB3933-1483-4D54-A643-07308F69C4CD}" type="slidenum">
+              <a:rPr lang="en-GB" smtClean="0"/>
+              <a:t>4</a:t>
+            </a:fld>
+            <a:endParaRPr lang="en-GB" dirty="0"/>
+          </a:p>
+        </p:txBody>
+      </p:sp>
+    </p:spTree>
+    <p:extLst>
+      <p:ext uri="{BB962C8B-B14F-4D97-AF65-F5344CB8AC3E}">
+        <p14:creationId xmlns:p14="http://schemas.microsoft.com/office/powerpoint/2010/main" val="3898493043"/>
       </p:ext>
     </p:extLst>
   </p:cSld>
@@ -4865,7 +5548,7 @@
   <a:extraClrSchemeLst/>
   <a:extLst>
     <a:ext uri="{05A4C25C-085E-4340-85A3-A5531E510DB2}">
-      <thm15:themeFamily xmlns:thm15="http://schemas.microsoft.com/office/thememl/2012/main" xmlns="" name="Office Theme" id="{62F939B6-93AF-4DB8-9C6B-D6C7DFDC589F}" vid="{4A3C46E8-61CC-4603-A589-7422A47A8E4A}"/>
+      <thm15:themeFamily xmlns:thm15="http://schemas.microsoft.com/office/thememl/2012/main" name="Office Theme" id="{62F939B6-93AF-4DB8-9C6B-D6C7DFDC589F}" vid="{4A3C46E8-61CC-4603-A589-7422A47A8E4A}"/>
     </a:ext>
   </a:extLst>
 </a:theme>
@@ -5126,7 +5809,7 @@
   <a:extraClrSchemeLst/>
   <a:extLst>
     <a:ext uri="{05A4C25C-085E-4340-85A3-A5531E510DB2}">
-      <thm15:themeFamily xmlns:thm15="http://schemas.microsoft.com/office/thememl/2012/main" xmlns="" name="Office Theme" id="{62F939B6-93AF-4DB8-9C6B-D6C7DFDC589F}" vid="{4A3C46E8-61CC-4603-A589-7422A47A8E4A}"/>
+      <thm15:themeFamily xmlns:thm15="http://schemas.microsoft.com/office/thememl/2012/main" name="Office Theme" id="{62F939B6-93AF-4DB8-9C6B-D6C7DFDC589F}" vid="{4A3C46E8-61CC-4603-A589-7422A47A8E4A}"/>
     </a:ext>
   </a:extLst>
 </a:theme>
@@ -5387,7 +6070,7 @@
   <a:extraClrSchemeLst/>
   <a:extLst>
     <a:ext uri="{05A4C25C-085E-4340-85A3-A5531E510DB2}">
-      <thm15:themeFamily xmlns:thm15="http://schemas.microsoft.com/office/thememl/2012/main" xmlns="" name="Office Theme" id="{62F939B6-93AF-4DB8-9C6B-D6C7DFDC589F}" vid="{4A3C46E8-61CC-4603-A589-7422A47A8E4A}"/>
+      <thm15:themeFamily xmlns:thm15="http://schemas.microsoft.com/office/thememl/2012/main" name="Office Theme" id="{62F939B6-93AF-4DB8-9C6B-D6C7DFDC589F}" vid="{4A3C46E8-61CC-4603-A589-7422A47A8E4A}"/>
     </a:ext>
   </a:extLst>
 </a:theme>
